--- a/MiniProject3/MP3_COMP_472.pptx
+++ b/MiniProject3/MP3_COMP_472.pptx
@@ -5143,10 +5143,10 @@
       </p:sp>
       <p:pic>
         <p:nvPicPr>
-          <p:cNvPr id="6146" name="Picture 2">
-            <a:extLst>
-              <a:ext uri="{FF2B5EF4-FFF2-40B4-BE49-F238E27FC236}">
-                <a16:creationId xmlns:a16="http://schemas.microsoft.com/office/drawing/2014/main" id="{DE2BF30D-3527-4AB8-8AD2-F8903A3FD359}"/>
+          <p:cNvPr id="4098" name="Picture 2">
+            <a:extLst>
+              <a:ext uri="{FF2B5EF4-FFF2-40B4-BE49-F238E27FC236}">
+                <a16:creationId xmlns:a16="http://schemas.microsoft.com/office/drawing/2014/main" id="{763A5CDB-02A5-42D4-AF83-55E02989F68C}"/>
               </a:ext>
             </a:extLst>
           </p:cNvPr>
@@ -5170,8 +5170,8 @@
         </p:blipFill>
         <p:spPr bwMode="auto">
           <a:xfrm>
-            <a:off x="3844082" y="1016964"/>
-            <a:ext cx="4069579" cy="4280438"/>
+            <a:off x="3968419" y="1008140"/>
+            <a:ext cx="4255162" cy="4475638"/>
           </a:xfrm>
           <a:prstGeom prst="rect">
             <a:avLst/>
@@ -8208,19 +8208,17 @@
       </p:sp>
       <p:pic>
         <p:nvPicPr>
-          <p:cNvPr id="2050" name="Picture 2">
-            <a:extLst>
-              <a:ext uri="{FF2B5EF4-FFF2-40B4-BE49-F238E27FC236}">
-                <a16:creationId xmlns:a16="http://schemas.microsoft.com/office/drawing/2014/main" id="{6D3D80BB-6596-433C-BC6C-79801E4BCCD4}"/>
+          <p:cNvPr id="1026" name="Picture 2">
+            <a:extLst>
+              <a:ext uri="{FF2B5EF4-FFF2-40B4-BE49-F238E27FC236}">
+                <a16:creationId xmlns:a16="http://schemas.microsoft.com/office/drawing/2014/main" id="{20141813-18ED-46DF-9FC8-FB68BAD59AD7}"/>
               </a:ext>
             </a:extLst>
           </p:cNvPr>
           <p:cNvPicPr>
-            <a:picLocks noGrp="1" noChangeAspect="1" noChangeArrowheads="1"/>
+            <a:picLocks noChangeAspect="1" noChangeArrowheads="1"/>
           </p:cNvPicPr>
-          <p:nvPr>
-            <p:ph idx="1"/>
-          </p:nvPr>
+          <p:nvPr/>
         </p:nvPicPr>
         <p:blipFill>
           <a:blip r:embed="rId2">
@@ -8237,8 +8235,8 @@
         </p:blipFill>
         <p:spPr bwMode="auto">
           <a:xfrm>
-            <a:off x="3645206" y="1663920"/>
-            <a:ext cx="4901587" cy="3530159"/>
+            <a:off x="2898110" y="1912731"/>
+            <a:ext cx="5490066" cy="3953985"/>
           </a:xfrm>
           <a:prstGeom prst="rect">
             <a:avLst/>
@@ -9163,10 +9161,10 @@
       </p:sp>
       <p:pic>
         <p:nvPicPr>
-          <p:cNvPr id="3078" name="Picture 6">
-            <a:extLst>
-              <a:ext uri="{FF2B5EF4-FFF2-40B4-BE49-F238E27FC236}">
-                <a16:creationId xmlns:a16="http://schemas.microsoft.com/office/drawing/2014/main" id="{F991F9DD-60DC-4D59-AA56-277C63EB8CBB}"/>
+          <p:cNvPr id="2050" name="Picture 2">
+            <a:extLst>
+              <a:ext uri="{FF2B5EF4-FFF2-40B4-BE49-F238E27FC236}">
+                <a16:creationId xmlns:a16="http://schemas.microsoft.com/office/drawing/2014/main" id="{6705F5C4-F216-4B95-80C8-031BE30081D3}"/>
               </a:ext>
             </a:extLst>
           </p:cNvPr>
@@ -9190,8 +9188,8 @@
         </p:blipFill>
         <p:spPr bwMode="auto">
           <a:xfrm>
-            <a:off x="3536492" y="1490098"/>
-            <a:ext cx="4875987" cy="3511721"/>
+            <a:off x="3525752" y="1577889"/>
+            <a:ext cx="5140495" cy="3702222"/>
           </a:xfrm>
           <a:prstGeom prst="rect">
             <a:avLst/>
@@ -10842,10 +10840,10 @@
       </p:sp>
       <p:pic>
         <p:nvPicPr>
-          <p:cNvPr id="5124" name="Picture 4">
-            <a:extLst>
-              <a:ext uri="{FF2B5EF4-FFF2-40B4-BE49-F238E27FC236}">
-                <a16:creationId xmlns:a16="http://schemas.microsoft.com/office/drawing/2014/main" id="{7114B969-131A-48C9-83FA-6D0B4014084B}"/>
+          <p:cNvPr id="3074" name="Picture 2">
+            <a:extLst>
+              <a:ext uri="{FF2B5EF4-FFF2-40B4-BE49-F238E27FC236}">
+                <a16:creationId xmlns:a16="http://schemas.microsoft.com/office/drawing/2014/main" id="{CECBD59D-AECE-4C09-B106-E63E08CBB2A3}"/>
               </a:ext>
             </a:extLst>
           </p:cNvPr>
@@ -10869,8 +10867,8 @@
         </p:blipFill>
         <p:spPr bwMode="auto">
           <a:xfrm>
-            <a:off x="3769677" y="1620977"/>
-            <a:ext cx="4652645" cy="3616045"/>
+            <a:off x="3450691" y="1373060"/>
+            <a:ext cx="5290617" cy="4111879"/>
           </a:xfrm>
           <a:prstGeom prst="rect">
             <a:avLst/>
